--- a/周记/Week-4 RoPE.pptx
+++ b/周记/Week-4 RoPE.pptx
@@ -8,7 +8,7 @@
     <p:notesMasterId r:id="rId15"/>
   </p:notesMasterIdLst>
   <p:sldIdLst>
-    <p:sldId id="257" r:id="rId2"/>
+    <p:sldId id="280" r:id="rId2"/>
     <p:sldId id="269" r:id="rId3"/>
     <p:sldId id="271" r:id="rId4"/>
     <p:sldId id="270" r:id="rId5"/>
@@ -220,7 +220,7 @@
           <a:p>
             <a:fld id="{1E5BCEC9-DDE4-4B30-87D6-0017517D5E27}" type="datetimeFigureOut">
               <a:rPr lang="zh-CN" altLang="en-US" smtClean="0"/>
-              <a:t>2023/11/16</a:t>
+              <a:t>2024/2/11</a:t>
             </a:fld>
             <a:endParaRPr lang="zh-CN" altLang="en-US"/>
           </a:p>
@@ -537,7 +537,7 @@
               </a14:hiddenFill>
             </a:ext>
             <a:ext uri="{FAA26D3D-D897-4be2-8F04-BA451C77F1D7}">
-              <ma14:placeholderFlag xmlns="" xmlns:ma14="http://schemas.microsoft.com/office/mac/drawingml/2011/main" val="1"/>
+              <ma14:placeholderFlag xmlns:ma14="http://schemas.microsoft.com/office/mac/drawingml/2011/main" xmlns="" val="1"/>
             </a:ext>
           </a:extLst>
         </p:spPr>
@@ -1072,7 +1072,7 @@
                 <a:tabLst/>
                 <a:defRPr/>
               </a:pPr>
-              <a:t>2023/11/16</a:t>
+              <a:t>2024/2/11</a:t>
             </a:fld>
             <a:endParaRPr kumimoji="0" lang="zh-CN" altLang="en-US" sz="1200" b="1" i="0" u="none" strike="noStrike" kern="1200" cap="none" spc="0" normalizeH="0" baseline="0" noProof="0">
               <a:ln>
@@ -1388,7 +1388,7 @@
                 <a:tabLst/>
                 <a:defRPr/>
               </a:pPr>
-              <a:t>2023/11/16</a:t>
+              <a:t>2024/2/11</a:t>
             </a:fld>
             <a:endParaRPr kumimoji="0" lang="zh-CN" altLang="en-US" sz="1200" b="1" i="0" u="none" strike="noStrike" kern="1200" cap="none" spc="0" normalizeH="0" baseline="0" noProof="0">
               <a:ln>
@@ -1901,7 +1901,7 @@
                 <a:tabLst/>
                 <a:defRPr/>
               </a:pPr>
-              <a:t>2023/11/16</a:t>
+              <a:t>2024/2/11</a:t>
             </a:fld>
             <a:endParaRPr kumimoji="0" lang="zh-CN" altLang="en-US" sz="1200" b="1" i="0" u="none" strike="noStrike" kern="1200" cap="none" spc="0" normalizeH="0" baseline="0" noProof="0">
               <a:ln>
@@ -2415,7 +2415,7 @@
                 <a:tabLst/>
                 <a:defRPr/>
               </a:pPr>
-              <a:t>2023/11/16</a:t>
+              <a:t>2024/2/11</a:t>
             </a:fld>
             <a:endParaRPr kumimoji="0" lang="zh-CN" altLang="en-US" sz="1200" b="1" i="0" u="none" strike="noStrike" kern="1200" cap="none" spc="0" normalizeH="0" baseline="0" noProof="0">
               <a:ln>
@@ -2715,7 +2715,7 @@
                 <a:tabLst/>
                 <a:defRPr/>
               </a:pPr>
-              <a:t>2023/11/16</a:t>
+              <a:t>2024/2/11</a:t>
             </a:fld>
             <a:endParaRPr kumimoji="0" lang="zh-CN" altLang="en-US" sz="1200" b="1" i="0" u="none" strike="noStrike" kern="1200" cap="none" spc="0" normalizeH="0" baseline="0" noProof="0">
               <a:ln>
@@ -3002,7 +3002,7 @@
           <a:p>
             <a:fld id="{7FA7C40F-0D87-4C47-A7B0-B93EF7B2BEDD}" type="datetimeFigureOut">
               <a:rPr lang="zh-CN" altLang="en-US" smtClean="0"/>
-              <a:t>2023/11/16</a:t>
+              <a:t>2024/2/11</a:t>
             </a:fld>
             <a:endParaRPr lang="zh-CN" altLang="en-US"/>
           </a:p>
@@ -3231,7 +3231,7 @@
           <a:p>
             <a:fld id="{7FA7C40F-0D87-4C47-A7B0-B93EF7B2BEDD}" type="datetimeFigureOut">
               <a:rPr lang="zh-CN" altLang="en-US" smtClean="0"/>
-              <a:t>2023/11/16</a:t>
+              <a:t>2024/2/11</a:t>
             </a:fld>
             <a:endParaRPr lang="zh-CN" altLang="en-US"/>
           </a:p>
@@ -3493,7 +3493,7 @@
                 <a:tabLst/>
                 <a:defRPr/>
               </a:pPr>
-              <a:t>2023/11/16</a:t>
+              <a:t>2024/2/11</a:t>
             </a:fld>
             <a:endParaRPr kumimoji="0" lang="zh-CN" altLang="en-US" sz="1200" b="1" i="0" u="none" strike="noStrike" kern="1200" cap="none" spc="0" normalizeH="0" baseline="0" noProof="0">
               <a:ln>
@@ -3991,26 +3991,6 @@
 <file path=ppt/slides/slide1.xml><?xml version="1.0" encoding="utf-8"?>
 <p:sld xmlns:a="http://schemas.openxmlformats.org/drawingml/2006/main" xmlns:r="http://schemas.openxmlformats.org/officeDocument/2006/relationships" xmlns:p="http://schemas.openxmlformats.org/presentationml/2006/main">
   <p:cSld>
-    <p:bg>
-      <p:bgPr>
-        <a:blipFill dpi="0" rotWithShape="0">
-          <a:blip r:embed="rId3" cstate="hqprint">
-            <a:alphaModFix amt="40000"/>
-            <a:lum/>
-            <a:extLst>
-              <a:ext uri="{28A0092B-C50C-407E-A947-70E740481C1C}">
-                <a14:useLocalDpi xmlns:a14="http://schemas.microsoft.com/office/drawing/2010/main"/>
-              </a:ext>
-            </a:extLst>
-          </a:blip>
-          <a:srcRect/>
-          <a:stretch>
-            <a:fillRect/>
-          </a:stretch>
-        </a:blipFill>
-        <a:effectLst/>
-      </p:bgPr>
-    </p:bg>
     <p:spTree>
       <p:nvGrpSpPr>
         <p:cNvPr id="1" name=""/>
@@ -4144,7 +4124,7 @@
             </a:r>
             <a:r>
               <a:rPr lang="zh-CN" altLang="en-US" b="1" dirty="0"/>
-              <a:t>大模型迁移研究与应用</a:t>
+              <a:t>大模型迁移与性能研究</a:t>
             </a:r>
           </a:p>
         </p:txBody>
@@ -4158,7 +4138,7 @@
           <p:nvPr/>
         </p:nvPicPr>
         <p:blipFill>
-          <a:blip r:embed="rId4" cstate="screen">
+          <a:blip r:embed="rId3" cstate="screen">
             <a:extLst>
               <a:ext uri="{28A0092B-C50C-407E-A947-70E740481C1C}">
                 <a14:useLocalDpi xmlns:a14="http://schemas.microsoft.com/office/drawing/2010/main"/>
@@ -4248,7 +4228,7 @@
               <a:rPr lang="en-US" altLang="zh-CN">
                 <a:latin typeface="+mn-ea"/>
               </a:rPr>
-              <a:t>2023.11.09</a:t>
+              <a:t>2023.11.16</a:t>
             </a:r>
             <a:endParaRPr lang="zh-CN" altLang="en-US" dirty="0">
               <a:latin typeface="+mn-ea"/>
@@ -4286,7 +4266,7 @@
           <a:p>
             <a:r>
               <a:rPr lang="en-US" altLang="zh-CN" sz="2400" b="1" dirty="0"/>
-              <a:t>Week 2</a:t>
+              <a:t>Week 4</a:t>
             </a:r>
             <a:endParaRPr lang="zh-CN" altLang="en-US" sz="2400" b="1" dirty="0"/>
           </a:p>
@@ -4336,6 +4316,12 @@
               <a:rPr lang="en-US" altLang="zh-CN" sz="2800" dirty="0"/>
               <a:t> Embedding</a:t>
             </a:r>
+          </a:p>
+          <a:p>
+            <a:r>
+              <a:rPr lang="en-US" altLang="zh-CN" sz="2800" dirty="0"/>
+              <a:t>(stage 1)</a:t>
+            </a:r>
             <a:endParaRPr lang="zh-CN" altLang="en-US" sz="2800" dirty="0"/>
           </a:p>
         </p:txBody>
@@ -4343,7 +4329,7 @@
     </p:spTree>
     <p:extLst>
       <p:ext uri="{BB962C8B-B14F-4D97-AF65-F5344CB8AC3E}">
-        <p14:creationId xmlns:p14="http://schemas.microsoft.com/office/powerpoint/2010/main" val="648486646"/>
+        <p14:creationId xmlns:p14="http://schemas.microsoft.com/office/powerpoint/2010/main" val="1381700691"/>
       </p:ext>
     </p:extLst>
   </p:cSld>
